--- a/06_unsupervised_ML/98_Project_Uber/01_uber_project.pptx
+++ b/06_unsupervised_ML/98_Project_Uber/01_uber_project.pptx
@@ -658,12 +658,12 @@
   <pc:docChgLst>
     <pc:chgData name="Philippe Baucour" userId="5102170ae7533958" providerId="LiveId" clId="{AF45D22D-E4A4-4CD1-BBB8-F19CD1E61D9F}"/>
     <pc:docChg chg="undo custSel modSld">
-      <pc:chgData name="Philippe Baucour" userId="5102170ae7533958" providerId="LiveId" clId="{AF45D22D-E4A4-4CD1-BBB8-F19CD1E61D9F}" dt="2024-08-24T17:09:11.839" v="26" actId="27636"/>
+      <pc:chgData name="Philippe Baucour" userId="5102170ae7533958" providerId="LiveId" clId="{AF45D22D-E4A4-4CD1-BBB8-F19CD1E61D9F}" dt="2024-08-26T08:47:31.020" v="28"/>
       <pc:docMkLst>
         <pc:docMk/>
       </pc:docMkLst>
-      <pc:sldChg chg="modSp mod">
-        <pc:chgData name="Philippe Baucour" userId="5102170ae7533958" providerId="LiveId" clId="{AF45D22D-E4A4-4CD1-BBB8-F19CD1E61D9F}" dt="2024-08-24T17:09:11.839" v="26" actId="27636"/>
+      <pc:sldChg chg="modSp mod modNotesTx">
+        <pc:chgData name="Philippe Baucour" userId="5102170ae7533958" providerId="LiveId" clId="{AF45D22D-E4A4-4CD1-BBB8-F19CD1E61D9F}" dt="2024-08-26T08:47:31.020" v="28"/>
         <pc:sldMkLst>
           <pc:docMk/>
           <pc:sldMk cId="1392602265" sldId="256"/>
@@ -1674,7 +1674,7 @@
           <a:p>
             <a:fld id="{FD1752CD-A7D2-4825-BC26-9DAEFBD0A5FF}" type="datetimeFigureOut">
               <a:rPr lang="fr-FR" smtClean="0"/>
-              <a:t>24/08/2024</a:t>
+              <a:t>26/08/2024</a:t>
             </a:fld>
             <a:endParaRPr lang="fr-FR"/>
           </a:p>
@@ -1941,6 +1941,419 @@
 </p:notesMaster>
 </file>
 
+<file path=ppt/notesSlides/notesSlide1.xml><?xml version="1.0" encoding="utf-8"?>
+<p:notes xmlns:a="http://schemas.openxmlformats.org/drawingml/2006/main" xmlns:r="http://schemas.openxmlformats.org/officeDocument/2006/relationships" xmlns:p="http://schemas.openxmlformats.org/presentationml/2006/main">
+  <p:cSld>
+    <p:spTree>
+      <p:nvGrpSpPr>
+        <p:cNvPr id="1" name=""/>
+        <p:cNvGrpSpPr/>
+        <p:nvPr/>
+      </p:nvGrpSpPr>
+      <p:grpSpPr>
+        <a:xfrm>
+          <a:off x="0" y="0"/>
+          <a:ext cx="0" cy="0"/>
+          <a:chOff x="0" y="0"/>
+          <a:chExt cx="0" cy="0"/>
+        </a:xfrm>
+      </p:grpSpPr>
+      <p:sp>
+        <p:nvSpPr>
+          <p:cNvPr id="2" name="Espace réservé de l'image des diapositives 1"/>
+          <p:cNvSpPr>
+            <a:spLocks noGrp="1" noRot="1" noChangeAspect="1"/>
+          </p:cNvSpPr>
+          <p:nvPr>
+            <p:ph type="sldImg"/>
+          </p:nvPr>
+        </p:nvSpPr>
+        <p:spPr/>
+      </p:sp>
+      <p:sp>
+        <p:nvSpPr>
+          <p:cNvPr id="3" name="Espace réservé des notes 2"/>
+          <p:cNvSpPr>
+            <a:spLocks noGrp="1"/>
+          </p:cNvSpPr>
+          <p:nvPr>
+            <p:ph type="body" idx="1"/>
+          </p:nvPr>
+        </p:nvSpPr>
+        <p:spPr/>
+        <p:txBody>
+          <a:bodyPr/>
+          <a:lstStyle/>
+          <a:p>
+            <a:pPr marL="0" indent="0" algn="l">
+              <a:buFont typeface="Arial" panose="020B0604020202020204" pitchFamily="34" charset="0"/>
+              <a:buNone/>
+            </a:pPr>
+            <a:r>
+              <a:rPr lang="en-US" b="1" i="0" dirty="0">
+                <a:solidFill>
+                  <a:srgbClr val="1F2123"/>
+                </a:solidFill>
+                <a:effectLst/>
+                <a:highlight>
+                  <a:srgbClr val="FBFDFF"/>
+                </a:highlight>
+                <a:latin typeface="Inter"/>
+              </a:rPr>
+              <a:t>Criteria :</a:t>
+            </a:r>
+          </a:p>
+          <a:p>
+            <a:pPr marL="0" indent="0" algn="l">
+              <a:buFont typeface="Arial" panose="020B0604020202020204" pitchFamily="34" charset="0"/>
+              <a:buNone/>
+            </a:pPr>
+            <a:endParaRPr lang="en-US" b="1" i="0" dirty="0">
+              <a:solidFill>
+                <a:srgbClr val="1F2123"/>
+              </a:solidFill>
+              <a:effectLst/>
+              <a:highlight>
+                <a:srgbClr val="FBFDFF"/>
+              </a:highlight>
+              <a:latin typeface="Inter"/>
+            </a:endParaRPr>
+          </a:p>
+          <a:p>
+            <a:pPr marL="0" indent="0" algn="l">
+              <a:buFont typeface="Arial" panose="020B0604020202020204" pitchFamily="34" charset="0"/>
+              <a:buNone/>
+            </a:pPr>
+            <a:r>
+              <a:rPr lang="en-US" b="0" i="0" dirty="0">
+                <a:solidFill>
+                  <a:srgbClr val="1F2123"/>
+                </a:solidFill>
+                <a:effectLst/>
+                <a:highlight>
+                  <a:srgbClr val="FBFDFF"/>
+                </a:highlight>
+                <a:latin typeface="Inter"/>
+              </a:rPr>
+              <a:t>The predictive analysis processes defined are effective:</a:t>
+            </a:r>
+          </a:p>
+          <a:p>
+            <a:pPr lvl="1" algn="l">
+              <a:buFont typeface="Arial" panose="020B0604020202020204" pitchFamily="34" charset="0"/>
+              <a:buChar char="•"/>
+            </a:pPr>
+            <a:r>
+              <a:rPr lang="en-US" b="0" i="0" dirty="0">
+                <a:solidFill>
+                  <a:srgbClr val="1F2123"/>
+                </a:solidFill>
+                <a:effectLst/>
+                <a:highlight>
+                  <a:srgbClr val="FBFDFF"/>
+                </a:highlight>
+                <a:latin typeface="Inter"/>
+              </a:rPr>
+              <a:t> Relevance of the choice of the type of algorithm used (supervised or unsupervised machine learning)</a:t>
+            </a:r>
+          </a:p>
+          <a:p>
+            <a:pPr lvl="1" algn="l">
+              <a:buFont typeface="Arial" panose="020B0604020202020204" pitchFamily="34" charset="0"/>
+              <a:buChar char="•"/>
+            </a:pPr>
+            <a:r>
+              <a:rPr lang="en-US" b="0" i="0" dirty="0">
+                <a:solidFill>
+                  <a:srgbClr val="1F2123"/>
+                </a:solidFill>
+                <a:effectLst/>
+                <a:highlight>
+                  <a:srgbClr val="FBFDFF"/>
+                </a:highlight>
+                <a:latin typeface="Inter"/>
+              </a:rPr>
+              <a:t> Design of a data preparation pipeline for algorithm training</a:t>
+            </a:r>
+          </a:p>
+          <a:p>
+            <a:pPr lvl="1" algn="l">
+              <a:buFont typeface="Arial" panose="020B0604020202020204" pitchFamily="34" charset="0"/>
+              <a:buChar char="•"/>
+            </a:pPr>
+            <a:r>
+              <a:rPr lang="en-US" b="0" i="0" dirty="0">
+                <a:solidFill>
+                  <a:srgbClr val="1F2123"/>
+                </a:solidFill>
+                <a:effectLst/>
+                <a:highlight>
+                  <a:srgbClr val="FBFDFF"/>
+                </a:highlight>
+                <a:latin typeface="Inter"/>
+              </a:rPr>
+              <a:t> Quality of the clustering optimization (method of choice of the K indicator for K—Mean or Epsilon for </a:t>
+            </a:r>
+            <a:r>
+              <a:rPr lang="en-US" b="0" i="0" dirty="0" err="1">
+                <a:solidFill>
+                  <a:srgbClr val="1F2123"/>
+                </a:solidFill>
+                <a:effectLst/>
+                <a:highlight>
+                  <a:srgbClr val="FBFDFF"/>
+                </a:highlight>
+                <a:latin typeface="Inter"/>
+              </a:rPr>
+              <a:t>DBScan</a:t>
+            </a:r>
+            <a:r>
+              <a:rPr lang="en-US" b="0" i="0" dirty="0">
+                <a:solidFill>
+                  <a:srgbClr val="1F2123"/>
+                </a:solidFill>
+                <a:effectLst/>
+                <a:highlight>
+                  <a:srgbClr val="FBFDFF"/>
+                </a:highlight>
+                <a:latin typeface="Inter"/>
+              </a:rPr>
+              <a:t>)</a:t>
+            </a:r>
+          </a:p>
+          <a:p>
+            <a:pPr lvl="1" algn="l">
+              <a:buFont typeface="Arial" panose="020B0604020202020204" pitchFamily="34" charset="0"/>
+              <a:buChar char="•"/>
+            </a:pPr>
+            <a:r>
+              <a:rPr lang="en-US" b="0" i="0" dirty="0">
+                <a:solidFill>
+                  <a:srgbClr val="1F2123"/>
+                </a:solidFill>
+                <a:effectLst/>
+                <a:highlight>
+                  <a:srgbClr val="FBFDFF"/>
+                </a:highlight>
+                <a:latin typeface="Inter"/>
+              </a:rPr>
+              <a:t> Cleanliness of the code (respect of PEP8 standards in Python)</a:t>
+            </a:r>
+          </a:p>
+          <a:p>
+            <a:pPr lvl="1" algn="l">
+              <a:buFont typeface="Arial" panose="020B0604020202020204" pitchFamily="34" charset="0"/>
+              <a:buChar char="•"/>
+            </a:pPr>
+            <a:r>
+              <a:rPr lang="en-US" b="0" i="0" dirty="0">
+                <a:solidFill>
+                  <a:srgbClr val="1F2123"/>
+                </a:solidFill>
+                <a:effectLst/>
+                <a:highlight>
+                  <a:srgbClr val="FBFDFF"/>
+                </a:highlight>
+                <a:latin typeface="Inter"/>
+              </a:rPr>
+              <a:t> Performance of the programmed algorithm (determined by analysis of R2 for regression, F1_Score for classification, use of K—Fold </a:t>
+            </a:r>
+            <a:r>
+              <a:rPr lang="en-US" b="0" i="0" dirty="0" err="1">
+                <a:solidFill>
+                  <a:srgbClr val="1F2123"/>
+                </a:solidFill>
+                <a:effectLst/>
+                <a:highlight>
+                  <a:srgbClr val="FBFDFF"/>
+                </a:highlight>
+                <a:latin typeface="Inter"/>
+              </a:rPr>
+              <a:t>Crossvalidation</a:t>
+            </a:r>
+            <a:r>
+              <a:rPr lang="en-US" b="0" i="0" dirty="0">
+                <a:solidFill>
+                  <a:srgbClr val="1F2123"/>
+                </a:solidFill>
+                <a:effectLst/>
+                <a:highlight>
+                  <a:srgbClr val="FBFDFF"/>
+                </a:highlight>
+                <a:latin typeface="Inter"/>
+              </a:rPr>
+              <a:t> and verification tests for overfitting or underfitting)</a:t>
+            </a:r>
+          </a:p>
+          <a:p>
+            <a:pPr algn="l">
+              <a:buFont typeface="Arial" panose="020B0604020202020204" pitchFamily="34" charset="0"/>
+              <a:buChar char="•"/>
+            </a:pPr>
+            <a:endParaRPr lang="en-US" b="0" i="0" dirty="0">
+              <a:solidFill>
+                <a:srgbClr val="1F2123"/>
+              </a:solidFill>
+              <a:effectLst/>
+              <a:highlight>
+                <a:srgbClr val="FBFDFF"/>
+              </a:highlight>
+              <a:latin typeface="Inter"/>
+            </a:endParaRPr>
+          </a:p>
+          <a:p>
+            <a:pPr marL="0" indent="0" algn="l">
+              <a:buFont typeface="Arial" panose="020B0604020202020204" pitchFamily="34" charset="0"/>
+              <a:buNone/>
+            </a:pPr>
+            <a:r>
+              <a:rPr lang="en-US" b="0" i="0" dirty="0">
+                <a:solidFill>
+                  <a:srgbClr val="1F2123"/>
+                </a:solidFill>
+                <a:effectLst/>
+                <a:highlight>
+                  <a:srgbClr val="FBFDFF"/>
+                </a:highlight>
+                <a:latin typeface="Inter"/>
+              </a:rPr>
+              <a:t>The performance of Machine Learning algorithms is optimized:</a:t>
+            </a:r>
+          </a:p>
+          <a:p>
+            <a:pPr lvl="1" algn="l">
+              <a:buFont typeface="Arial" panose="020B0604020202020204" pitchFamily="34" charset="0"/>
+              <a:buChar char="•"/>
+            </a:pPr>
+            <a:r>
+              <a:rPr lang="en-US" b="0" i="0" dirty="0">
+                <a:solidFill>
+                  <a:srgbClr val="1F2123"/>
+                </a:solidFill>
+                <a:effectLst/>
+                <a:highlight>
+                  <a:srgbClr val="FBFDFF"/>
+                </a:highlight>
+                <a:latin typeface="Inter"/>
+              </a:rPr>
+              <a:t> Relevance of the choice of criteria for evaluating the performance of an algorithm (choice of an F1_Score or sensitivity for classification according to the type of problem, for example)</a:t>
+            </a:r>
+          </a:p>
+          <a:p>
+            <a:pPr lvl="1" algn="l">
+              <a:buFont typeface="Arial" panose="020B0604020202020204" pitchFamily="34" charset="0"/>
+              <a:buChar char="•"/>
+            </a:pPr>
+            <a:r>
+              <a:rPr lang="en-US" b="0" i="0" dirty="0">
+                <a:solidFill>
+                  <a:srgbClr val="1F2123"/>
+                </a:solidFill>
+                <a:effectLst/>
+                <a:highlight>
+                  <a:srgbClr val="FBFDFF"/>
+                </a:highlight>
+                <a:latin typeface="Inter"/>
+              </a:rPr>
+              <a:t> Measured indicators are better than in the previous version (comparison of the new model with what is already in place)</a:t>
+            </a:r>
+          </a:p>
+          <a:p>
+            <a:endParaRPr lang="en-US" b="0" i="0" dirty="0">
+              <a:solidFill>
+                <a:srgbClr val="1F2123"/>
+              </a:solidFill>
+              <a:effectLst/>
+              <a:highlight>
+                <a:srgbClr val="FBFDFF"/>
+              </a:highlight>
+              <a:latin typeface="Inter"/>
+            </a:endParaRPr>
+          </a:p>
+          <a:p>
+            <a:pPr marL="0" indent="0">
+              <a:buFont typeface="Arial" panose="020B0604020202020204" pitchFamily="34" charset="0"/>
+              <a:buNone/>
+            </a:pPr>
+            <a:r>
+              <a:rPr lang="en-US" b="0" i="0" dirty="0">
+                <a:solidFill>
+                  <a:srgbClr val="1F2123"/>
+                </a:solidFill>
+                <a:effectLst/>
+                <a:highlight>
+                  <a:srgbClr val="FBFDFF"/>
+                </a:highlight>
+                <a:latin typeface="Inter"/>
+              </a:rPr>
+              <a:t>The predictive analyses are </a:t>
+            </a:r>
+            <a:r>
+              <a:rPr lang="en-US" b="0" i="0" dirty="0" err="1">
+                <a:solidFill>
+                  <a:srgbClr val="1F2123"/>
+                </a:solidFill>
+                <a:effectLst/>
+                <a:highlight>
+                  <a:srgbClr val="FBFDFF"/>
+                </a:highlight>
+                <a:latin typeface="Inter"/>
+              </a:rPr>
+              <a:t>acurate</a:t>
+            </a:r>
+            <a:r>
+              <a:rPr lang="en-US" b="0" i="0">
+                <a:solidFill>
+                  <a:srgbClr val="1F2123"/>
+                </a:solidFill>
+                <a:effectLst/>
+                <a:highlight>
+                  <a:srgbClr val="FBFDFF"/>
+                </a:highlight>
+                <a:latin typeface="Inter"/>
+              </a:rPr>
+              <a:t> and the recommendations made are relevant.</a:t>
+            </a:r>
+            <a:endParaRPr lang="fr-FR" dirty="0"/>
+          </a:p>
+        </p:txBody>
+      </p:sp>
+      <p:sp>
+        <p:nvSpPr>
+          <p:cNvPr id="4" name="Espace réservé du numéro de diapositive 3"/>
+          <p:cNvSpPr>
+            <a:spLocks noGrp="1"/>
+          </p:cNvSpPr>
+          <p:nvPr>
+            <p:ph type="sldNum" sz="quarter" idx="5"/>
+          </p:nvPr>
+        </p:nvSpPr>
+        <p:spPr/>
+        <p:txBody>
+          <a:bodyPr/>
+          <a:lstStyle/>
+          <a:p>
+            <a:fld id="{341AEC00-4977-4C47-A11B-52155DC12F54}" type="slidenum">
+              <a:rPr lang="fr-FR" smtClean="0"/>
+              <a:t>1</a:t>
+            </a:fld>
+            <a:endParaRPr lang="fr-FR"/>
+          </a:p>
+        </p:txBody>
+      </p:sp>
+    </p:spTree>
+    <p:extLst>
+      <p:ext uri="{BB962C8B-B14F-4D97-AF65-F5344CB8AC3E}">
+        <p14:creationId xmlns:p14="http://schemas.microsoft.com/office/powerpoint/2010/main" val="837060175"/>
+      </p:ext>
+    </p:extLst>
+  </p:cSld>
+  <p:clrMapOvr>
+    <a:masterClrMapping/>
+  </p:clrMapOvr>
+</p:notes>
+</file>
+
 <file path=ppt/slideLayouts/slideLayout1.xml><?xml version="1.0" encoding="utf-8"?>
 <p:sldLayout xmlns:a="http://schemas.openxmlformats.org/drawingml/2006/main" xmlns:r="http://schemas.openxmlformats.org/officeDocument/2006/relationships" xmlns:p="http://schemas.openxmlformats.org/presentationml/2006/main" type="title" preserve="1">
   <p:cSld name="Diapositive de titre">
@@ -2088,7 +2501,7 @@
           <a:p>
             <a:fld id="{7ECB9D5A-E5E4-41FE-AF39-634902D6D5D2}" type="datetimeFigureOut">
               <a:rPr lang="fr-FR" smtClean="0"/>
-              <a:t>24/08/2024</a:t>
+              <a:t>26/08/2024</a:t>
             </a:fld>
             <a:endParaRPr lang="fr-FR"/>
           </a:p>
@@ -2286,7 +2699,7 @@
           <a:p>
             <a:fld id="{7ECB9D5A-E5E4-41FE-AF39-634902D6D5D2}" type="datetimeFigureOut">
               <a:rPr lang="fr-FR" smtClean="0"/>
-              <a:t>24/08/2024</a:t>
+              <a:t>26/08/2024</a:t>
             </a:fld>
             <a:endParaRPr lang="fr-FR"/>
           </a:p>
@@ -2494,7 +2907,7 @@
           <a:p>
             <a:fld id="{7ECB9D5A-E5E4-41FE-AF39-634902D6D5D2}" type="datetimeFigureOut">
               <a:rPr lang="fr-FR" smtClean="0"/>
-              <a:t>24/08/2024</a:t>
+              <a:t>26/08/2024</a:t>
             </a:fld>
             <a:endParaRPr lang="fr-FR"/>
           </a:p>
@@ -2692,7 +3105,7 @@
           <a:p>
             <a:fld id="{7ECB9D5A-E5E4-41FE-AF39-634902D6D5D2}" type="datetimeFigureOut">
               <a:rPr lang="fr-FR" smtClean="0"/>
-              <a:t>24/08/2024</a:t>
+              <a:t>26/08/2024</a:t>
             </a:fld>
             <a:endParaRPr lang="fr-FR"/>
           </a:p>
@@ -2967,7 +3380,7 @@
           <a:p>
             <a:fld id="{7ECB9D5A-E5E4-41FE-AF39-634902D6D5D2}" type="datetimeFigureOut">
               <a:rPr lang="fr-FR" smtClean="0"/>
-              <a:t>24/08/2024</a:t>
+              <a:t>26/08/2024</a:t>
             </a:fld>
             <a:endParaRPr lang="fr-FR"/>
           </a:p>
@@ -3232,7 +3645,7 @@
           <a:p>
             <a:fld id="{7ECB9D5A-E5E4-41FE-AF39-634902D6D5D2}" type="datetimeFigureOut">
               <a:rPr lang="fr-FR" smtClean="0"/>
-              <a:t>24/08/2024</a:t>
+              <a:t>26/08/2024</a:t>
             </a:fld>
             <a:endParaRPr lang="fr-FR"/>
           </a:p>
@@ -3644,7 +4057,7 @@
           <a:p>
             <a:fld id="{7ECB9D5A-E5E4-41FE-AF39-634902D6D5D2}" type="datetimeFigureOut">
               <a:rPr lang="fr-FR" smtClean="0"/>
-              <a:t>24/08/2024</a:t>
+              <a:t>26/08/2024</a:t>
             </a:fld>
             <a:endParaRPr lang="fr-FR"/>
           </a:p>
@@ -3785,7 +4198,7 @@
           <a:p>
             <a:fld id="{7ECB9D5A-E5E4-41FE-AF39-634902D6D5D2}" type="datetimeFigureOut">
               <a:rPr lang="fr-FR" smtClean="0"/>
-              <a:t>24/08/2024</a:t>
+              <a:t>26/08/2024</a:t>
             </a:fld>
             <a:endParaRPr lang="fr-FR"/>
           </a:p>
@@ -3898,7 +4311,7 @@
           <a:p>
             <a:fld id="{7ECB9D5A-E5E4-41FE-AF39-634902D6D5D2}" type="datetimeFigureOut">
               <a:rPr lang="fr-FR" smtClean="0"/>
-              <a:t>24/08/2024</a:t>
+              <a:t>26/08/2024</a:t>
             </a:fld>
             <a:endParaRPr lang="fr-FR"/>
           </a:p>
@@ -4209,7 +4622,7 @@
           <a:p>
             <a:fld id="{7ECB9D5A-E5E4-41FE-AF39-634902D6D5D2}" type="datetimeFigureOut">
               <a:rPr lang="fr-FR" smtClean="0"/>
-              <a:t>24/08/2024</a:t>
+              <a:t>26/08/2024</a:t>
             </a:fld>
             <a:endParaRPr lang="fr-FR"/>
           </a:p>
@@ -4500,7 +4913,7 @@
           <a:p>
             <a:fld id="{7ECB9D5A-E5E4-41FE-AF39-634902D6D5D2}" type="datetimeFigureOut">
               <a:rPr lang="fr-FR" smtClean="0"/>
-              <a:t>24/08/2024</a:t>
+              <a:t>26/08/2024</a:t>
             </a:fld>
             <a:endParaRPr lang="fr-FR"/>
           </a:p>
@@ -4741,7 +5154,7 @@
           <a:p>
             <a:fld id="{7ECB9D5A-E5E4-41FE-AF39-634902D6D5D2}" type="datetimeFigureOut">
               <a:rPr lang="fr-FR" smtClean="0"/>
-              <a:t>24/08/2024</a:t>
+              <a:t>26/08/2024</a:t>
             </a:fld>
             <a:endParaRPr lang="fr-FR"/>
           </a:p>
@@ -5225,7 +5638,7 @@
             </a:r>
             <a:r>
               <a:rPr lang="fr-FR" sz="1400" dirty="0">
-                <a:hlinkClick r:id="rId2"/>
+                <a:hlinkClick r:id="rId3"/>
               </a:rPr>
               <a:t>philippe.baucour@gmail.com</a:t>
             </a:r>
@@ -5243,7 +5656,7 @@
             </a:r>
             <a:r>
               <a:rPr lang="fr-FR" sz="1400" dirty="0">
-                <a:hlinkClick r:id="rId3"/>
+                <a:hlinkClick r:id="rId4"/>
               </a:rPr>
               <a:t>https://app.jedha.co/course/projects-unsupervised-machine-learning-ft/uber-pickups-ft</a:t>
             </a:r>
@@ -5257,7 +5670,7 @@
             </a:r>
             <a:r>
               <a:rPr lang="fr-FR" sz="1400" dirty="0">
-                <a:hlinkClick r:id="rId4"/>
+                <a:hlinkClick r:id="rId5"/>
               </a:rPr>
               <a:t>https://github.com/40tude/fullstack_mars_2024_3/tree/main/06_unsupervised_ML/98_Project_Uber</a:t>
             </a:r>
